--- a/content/eduai/doc/how-to-learn/images/pics.pptx
+++ b/content/eduai/doc/how-to-learn/images/pics.pptx
@@ -7,6 +7,7 @@
   <p:sldIdLst>
     <p:sldId id="256" r:id="rId2"/>
     <p:sldId id="257" r:id="rId3"/>
+    <p:sldId id="258" r:id="rId4"/>
   </p:sldIdLst>
   <p:sldSz cx="9144000" cy="6858000" type="screen4x3"/>
   <p:notesSz cx="6858000" cy="9144000"/>
@@ -289,7 +290,7 @@
           <a:p>
             <a:fld id="{B4C71EC6-210F-42DE-9C53-41977AD35B3D}" type="datetimeFigureOut">
               <a:rPr lang="ru-RU" smtClean="0"/>
-              <a:t>01.10.2018</a:t>
+              <a:t>16.10.2018</a:t>
             </a:fld>
             <a:endParaRPr lang="ru-RU"/>
           </a:p>
@@ -454,7 +455,7 @@
           <a:p>
             <a:fld id="{B4C71EC6-210F-42DE-9C53-41977AD35B3D}" type="datetimeFigureOut">
               <a:rPr lang="ru-RU" smtClean="0"/>
-              <a:t>01.10.2018</a:t>
+              <a:t>16.10.2018</a:t>
             </a:fld>
             <a:endParaRPr lang="ru-RU"/>
           </a:p>
@@ -629,7 +630,7 @@
           <a:p>
             <a:fld id="{B4C71EC6-210F-42DE-9C53-41977AD35B3D}" type="datetimeFigureOut">
               <a:rPr lang="ru-RU" smtClean="0"/>
-              <a:t>01.10.2018</a:t>
+              <a:t>16.10.2018</a:t>
             </a:fld>
             <a:endParaRPr lang="ru-RU"/>
           </a:p>
@@ -794,7 +795,7 @@
           <a:p>
             <a:fld id="{B4C71EC6-210F-42DE-9C53-41977AD35B3D}" type="datetimeFigureOut">
               <a:rPr lang="ru-RU" smtClean="0"/>
-              <a:t>01.10.2018</a:t>
+              <a:t>16.10.2018</a:t>
             </a:fld>
             <a:endParaRPr lang="ru-RU"/>
           </a:p>
@@ -1035,7 +1036,7 @@
           <a:p>
             <a:fld id="{B4C71EC6-210F-42DE-9C53-41977AD35B3D}" type="datetimeFigureOut">
               <a:rPr lang="ru-RU" smtClean="0"/>
-              <a:t>01.10.2018</a:t>
+              <a:t>16.10.2018</a:t>
             </a:fld>
             <a:endParaRPr lang="ru-RU"/>
           </a:p>
@@ -1318,7 +1319,7 @@
           <a:p>
             <a:fld id="{B4C71EC6-210F-42DE-9C53-41977AD35B3D}" type="datetimeFigureOut">
               <a:rPr lang="ru-RU" smtClean="0"/>
-              <a:t>01.10.2018</a:t>
+              <a:t>16.10.2018</a:t>
             </a:fld>
             <a:endParaRPr lang="ru-RU"/>
           </a:p>
@@ -1735,7 +1736,7 @@
           <a:p>
             <a:fld id="{B4C71EC6-210F-42DE-9C53-41977AD35B3D}" type="datetimeFigureOut">
               <a:rPr lang="ru-RU" smtClean="0"/>
-              <a:t>01.10.2018</a:t>
+              <a:t>16.10.2018</a:t>
             </a:fld>
             <a:endParaRPr lang="ru-RU"/>
           </a:p>
@@ -1848,7 +1849,7 @@
           <a:p>
             <a:fld id="{B4C71EC6-210F-42DE-9C53-41977AD35B3D}" type="datetimeFigureOut">
               <a:rPr lang="ru-RU" smtClean="0"/>
-              <a:t>01.10.2018</a:t>
+              <a:t>16.10.2018</a:t>
             </a:fld>
             <a:endParaRPr lang="ru-RU"/>
           </a:p>
@@ -1938,7 +1939,7 @@
           <a:p>
             <a:fld id="{B4C71EC6-210F-42DE-9C53-41977AD35B3D}" type="datetimeFigureOut">
               <a:rPr lang="ru-RU" smtClean="0"/>
-              <a:t>01.10.2018</a:t>
+              <a:t>16.10.2018</a:t>
             </a:fld>
             <a:endParaRPr lang="ru-RU"/>
           </a:p>
@@ -2210,7 +2211,7 @@
           <a:p>
             <a:fld id="{B4C71EC6-210F-42DE-9C53-41977AD35B3D}" type="datetimeFigureOut">
               <a:rPr lang="ru-RU" smtClean="0"/>
-              <a:t>01.10.2018</a:t>
+              <a:t>16.10.2018</a:t>
             </a:fld>
             <a:endParaRPr lang="ru-RU"/>
           </a:p>
@@ -2458,7 +2459,7 @@
           <a:p>
             <a:fld id="{B4C71EC6-210F-42DE-9C53-41977AD35B3D}" type="datetimeFigureOut">
               <a:rPr lang="ru-RU" smtClean="0"/>
-              <a:t>01.10.2018</a:t>
+              <a:t>16.10.2018</a:t>
             </a:fld>
             <a:endParaRPr lang="ru-RU"/>
           </a:p>
@@ -2666,7 +2667,7 @@
           <a:p>
             <a:fld id="{B4C71EC6-210F-42DE-9C53-41977AD35B3D}" type="datetimeFigureOut">
               <a:rPr lang="ru-RU" smtClean="0"/>
-              <a:t>01.10.2018</a:t>
+              <a:t>16.10.2018</a:t>
             </a:fld>
             <a:endParaRPr lang="ru-RU"/>
           </a:p>
@@ -3087,6 +3088,13 @@
   <p:clrMapOvr>
     <a:masterClrMapping/>
   </p:clrMapOvr>
+  <p:timing>
+    <p:tnLst>
+      <p:par>
+        <p:cTn id="1" dur="indefinite" restart="never" nodeType="tmRoot"/>
+      </p:par>
+    </p:tnLst>
+  </p:timing>
 </p:sld>
 </file>
 
@@ -3169,6 +3177,473 @@
   <p:clrMapOvr>
     <a:masterClrMapping/>
   </p:clrMapOvr>
+  <p:timing>
+    <p:tnLst>
+      <p:par>
+        <p:cTn id="1" dur="indefinite" restart="never" nodeType="tmRoot"/>
+      </p:par>
+    </p:tnLst>
+  </p:timing>
+</p:sld>
+</file>
+
+<file path=ppt/slides/slide3.xml><?xml version="1.0" encoding="utf-8"?>
+<p:sld xmlns:a="http://schemas.openxmlformats.org/drawingml/2006/main" xmlns:r="http://schemas.openxmlformats.org/officeDocument/2006/relationships" xmlns:p="http://schemas.openxmlformats.org/presentationml/2006/main">
+  <p:cSld>
+    <p:spTree>
+      <p:nvGrpSpPr>
+        <p:cNvPr id="1" name=""/>
+        <p:cNvGrpSpPr/>
+        <p:nvPr/>
+      </p:nvGrpSpPr>
+      <p:grpSpPr>
+        <a:xfrm>
+          <a:off x="0" y="0"/>
+          <a:ext cx="0" cy="0"/>
+          <a:chOff x="0" y="0"/>
+          <a:chExt cx="0" cy="0"/>
+        </a:xfrm>
+      </p:grpSpPr>
+      <p:pic>
+        <p:nvPicPr>
+          <p:cNvPr id="1027" name="Picture 3"/>
+          <p:cNvPicPr>
+            <a:picLocks noChangeAspect="1" noChangeArrowheads="1"/>
+          </p:cNvPicPr>
+          <p:nvPr/>
+        </p:nvPicPr>
+        <p:blipFill rotWithShape="1">
+          <a:blip r:embed="rId2">
+            <a:extLst>
+              <a:ext uri="{28A0092B-C50C-407E-A947-70E740481C1C}">
+                <a14:useLocalDpi xmlns:a14="http://schemas.microsoft.com/office/drawing/2010/main" val="0"/>
+              </a:ext>
+            </a:extLst>
+          </a:blip>
+          <a:srcRect r="22623" b="10473"/>
+          <a:stretch/>
+        </p:blipFill>
+        <p:spPr bwMode="auto">
+          <a:xfrm>
+            <a:off x="7092280" y="3668158"/>
+            <a:ext cx="891787" cy="895375"/>
+          </a:xfrm>
+          <a:prstGeom prst="rect">
+            <a:avLst/>
+          </a:prstGeom>
+          <a:noFill/>
+          <a:ln>
+            <a:noFill/>
+          </a:ln>
+          <a:extLst>
+            <a:ext uri="{909E8E84-426E-40DD-AFC4-6F175D3DCCD1}">
+              <a14:hiddenFill xmlns:a14="http://schemas.microsoft.com/office/drawing/2010/main">
+                <a:solidFill>
+                  <a:schemeClr val="accent1"/>
+                </a:solidFill>
+              </a14:hiddenFill>
+            </a:ext>
+            <a:ext uri="{91240B29-F687-4F45-9708-019B960494DF}">
+              <a14:hiddenLine xmlns:a14="http://schemas.microsoft.com/office/drawing/2010/main" w="9525">
+                <a:solidFill>
+                  <a:schemeClr val="tx1"/>
+                </a:solidFill>
+                <a:miter lim="800000"/>
+                <a:headEnd/>
+                <a:tailEnd/>
+              </a14:hiddenLine>
+            </a:ext>
+          </a:extLst>
+        </p:spPr>
+      </p:pic>
+      <p:pic>
+        <p:nvPicPr>
+          <p:cNvPr id="1026" name="Picture 2"/>
+          <p:cNvPicPr>
+            <a:picLocks noChangeAspect="1" noChangeArrowheads="1"/>
+          </p:cNvPicPr>
+          <p:nvPr/>
+        </p:nvPicPr>
+        <p:blipFill>
+          <a:blip r:embed="rId3">
+            <a:extLst>
+              <a:ext uri="{28A0092B-C50C-407E-A947-70E740481C1C}">
+                <a14:useLocalDpi xmlns:a14="http://schemas.microsoft.com/office/drawing/2010/main" val="0"/>
+              </a:ext>
+            </a:extLst>
+          </a:blip>
+          <a:srcRect/>
+          <a:stretch>
+            <a:fillRect/>
+          </a:stretch>
+        </p:blipFill>
+        <p:spPr bwMode="auto">
+          <a:xfrm>
+            <a:off x="2641476" y="21299"/>
+            <a:ext cx="3861048" cy="6864085"/>
+          </a:xfrm>
+          <a:prstGeom prst="rect">
+            <a:avLst/>
+          </a:prstGeom>
+          <a:noFill/>
+          <a:ln>
+            <a:noFill/>
+          </a:ln>
+          <a:extLst>
+            <a:ext uri="{909E8E84-426E-40DD-AFC4-6F175D3DCCD1}">
+              <a14:hiddenFill xmlns:a14="http://schemas.microsoft.com/office/drawing/2010/main">
+                <a:solidFill>
+                  <a:schemeClr val="accent1"/>
+                </a:solidFill>
+              </a14:hiddenFill>
+            </a:ext>
+            <a:ext uri="{91240B29-F687-4F45-9708-019B960494DF}">
+              <a14:hiddenLine xmlns:a14="http://schemas.microsoft.com/office/drawing/2010/main" w="9525">
+                <a:solidFill>
+                  <a:schemeClr val="tx1"/>
+                </a:solidFill>
+                <a:miter lim="800000"/>
+                <a:headEnd/>
+                <a:tailEnd/>
+              </a14:hiddenLine>
+            </a:ext>
+          </a:extLst>
+        </p:spPr>
+      </p:pic>
+      <p:sp>
+        <p:nvSpPr>
+          <p:cNvPr id="5" name="Овал 4"/>
+          <p:cNvSpPr/>
+          <p:nvPr/>
+        </p:nvSpPr>
+        <p:spPr>
+          <a:xfrm>
+            <a:off x="5292080" y="4941168"/>
+            <a:ext cx="1008112" cy="1008112"/>
+          </a:xfrm>
+          <a:prstGeom prst="ellipse">
+            <a:avLst/>
+          </a:prstGeom>
+          <a:noFill/>
+          <a:ln w="66675">
+            <a:solidFill>
+              <a:srgbClr val="FF0000"/>
+            </a:solidFill>
+            <a:prstDash val="dash"/>
+          </a:ln>
+          <a:effectLst>
+            <a:outerShdw blurRad="50800" dist="38100" dir="2700000" algn="tl" rotWithShape="0">
+              <a:prstClr val="black">
+                <a:alpha val="40000"/>
+              </a:prstClr>
+            </a:outerShdw>
+          </a:effectLst>
+        </p:spPr>
+        <p:style>
+          <a:lnRef idx="2">
+            <a:schemeClr val="accent1">
+              <a:shade val="50000"/>
+            </a:schemeClr>
+          </a:lnRef>
+          <a:fillRef idx="1">
+            <a:schemeClr val="accent1"/>
+          </a:fillRef>
+          <a:effectRef idx="0">
+            <a:schemeClr val="accent1"/>
+          </a:effectRef>
+          <a:fontRef idx="minor">
+            <a:schemeClr val="lt1"/>
+          </a:fontRef>
+        </p:style>
+        <p:txBody>
+          <a:bodyPr rtlCol="0" anchor="ctr"/>
+          <a:lstStyle/>
+          <a:p>
+            <a:pPr algn="ctr"/>
+            <a:endParaRPr lang="ru-RU"/>
+          </a:p>
+        </p:txBody>
+      </p:sp>
+      <p:sp>
+        <p:nvSpPr>
+          <p:cNvPr id="6" name="Скругленный прямоугольник 5"/>
+          <p:cNvSpPr/>
+          <p:nvPr/>
+        </p:nvSpPr>
+        <p:spPr>
+          <a:xfrm>
+            <a:off x="2483768" y="332656"/>
+            <a:ext cx="1008112" cy="504056"/>
+          </a:xfrm>
+          <a:prstGeom prst="roundRect">
+            <a:avLst/>
+          </a:prstGeom>
+          <a:noFill/>
+          <a:ln w="66675">
+            <a:solidFill>
+              <a:srgbClr val="FF0000"/>
+            </a:solidFill>
+            <a:prstDash val="dash"/>
+          </a:ln>
+          <a:effectLst>
+            <a:outerShdw blurRad="50800" dist="38100" dir="2700000" algn="tl" rotWithShape="0">
+              <a:prstClr val="black">
+                <a:alpha val="40000"/>
+              </a:prstClr>
+            </a:outerShdw>
+          </a:effectLst>
+        </p:spPr>
+        <p:style>
+          <a:lnRef idx="2">
+            <a:schemeClr val="accent1">
+              <a:shade val="50000"/>
+            </a:schemeClr>
+          </a:lnRef>
+          <a:fillRef idx="1">
+            <a:schemeClr val="accent1"/>
+          </a:fillRef>
+          <a:effectRef idx="0">
+            <a:schemeClr val="accent1"/>
+          </a:effectRef>
+          <a:fontRef idx="minor">
+            <a:schemeClr val="lt1"/>
+          </a:fontRef>
+        </p:style>
+        <p:txBody>
+          <a:bodyPr rtlCol="0" anchor="ctr"/>
+          <a:lstStyle/>
+          <a:p>
+            <a:pPr algn="ctr"/>
+            <a:endParaRPr lang="ru-RU"/>
+          </a:p>
+        </p:txBody>
+      </p:sp>
+      <p:sp>
+        <p:nvSpPr>
+          <p:cNvPr id="7" name="Стрелка вниз 6"/>
+          <p:cNvSpPr/>
+          <p:nvPr/>
+        </p:nvSpPr>
+        <p:spPr>
+          <a:xfrm rot="15233245">
+            <a:off x="1547664" y="332656"/>
+            <a:ext cx="720080" cy="1008112"/>
+          </a:xfrm>
+          <a:prstGeom prst="downArrow">
+            <a:avLst/>
+          </a:prstGeom>
+          <a:solidFill>
+            <a:srgbClr val="FF0000"/>
+          </a:solidFill>
+          <a:ln>
+            <a:noFill/>
+          </a:ln>
+          <a:effectLst>
+            <a:outerShdw blurRad="50800" dist="38100" dir="2700000" algn="tl" rotWithShape="0">
+              <a:prstClr val="black">
+                <a:alpha val="40000"/>
+              </a:prstClr>
+            </a:outerShdw>
+          </a:effectLst>
+        </p:spPr>
+        <p:style>
+          <a:lnRef idx="2">
+            <a:schemeClr val="accent1">
+              <a:shade val="50000"/>
+            </a:schemeClr>
+          </a:lnRef>
+          <a:fillRef idx="1">
+            <a:schemeClr val="accent1"/>
+          </a:fillRef>
+          <a:effectRef idx="0">
+            <a:schemeClr val="accent1"/>
+          </a:effectRef>
+          <a:fontRef idx="minor">
+            <a:schemeClr val="lt1"/>
+          </a:fontRef>
+        </p:style>
+        <p:txBody>
+          <a:bodyPr rtlCol="0" anchor="ctr"/>
+          <a:lstStyle/>
+          <a:p>
+            <a:pPr algn="ctr"/>
+            <a:endParaRPr lang="ru-RU"/>
+          </a:p>
+        </p:txBody>
+      </p:sp>
+      <p:sp>
+        <p:nvSpPr>
+          <p:cNvPr id="9" name="Стрелка вниз 8"/>
+          <p:cNvSpPr/>
+          <p:nvPr/>
+        </p:nvSpPr>
+        <p:spPr>
+          <a:xfrm rot="3154163">
+            <a:off x="6487242" y="4165286"/>
+            <a:ext cx="720080" cy="1008112"/>
+          </a:xfrm>
+          <a:prstGeom prst="downArrow">
+            <a:avLst/>
+          </a:prstGeom>
+          <a:solidFill>
+            <a:srgbClr val="FF0000"/>
+          </a:solidFill>
+          <a:ln>
+            <a:noFill/>
+          </a:ln>
+          <a:effectLst>
+            <a:outerShdw blurRad="50800" dist="38100" dir="2700000" algn="tl" rotWithShape="0">
+              <a:prstClr val="black">
+                <a:alpha val="40000"/>
+              </a:prstClr>
+            </a:outerShdw>
+          </a:effectLst>
+        </p:spPr>
+        <p:style>
+          <a:lnRef idx="2">
+            <a:schemeClr val="accent1">
+              <a:shade val="50000"/>
+            </a:schemeClr>
+          </a:lnRef>
+          <a:fillRef idx="1">
+            <a:schemeClr val="accent1"/>
+          </a:fillRef>
+          <a:effectRef idx="0">
+            <a:schemeClr val="accent1"/>
+          </a:effectRef>
+          <a:fontRef idx="minor">
+            <a:schemeClr val="lt1"/>
+          </a:fontRef>
+        </p:style>
+        <p:txBody>
+          <a:bodyPr rtlCol="0" anchor="ctr"/>
+          <a:lstStyle/>
+          <a:p>
+            <a:pPr algn="ctr"/>
+            <a:endParaRPr lang="ru-RU"/>
+          </a:p>
+        </p:txBody>
+      </p:sp>
+      <p:pic>
+        <p:nvPicPr>
+          <p:cNvPr id="1028" name="Picture 4"/>
+          <p:cNvPicPr>
+            <a:picLocks noChangeAspect="1" noChangeArrowheads="1"/>
+          </p:cNvPicPr>
+          <p:nvPr/>
+        </p:nvPicPr>
+        <p:blipFill>
+          <a:blip r:embed="rId4">
+            <a:extLst>
+              <a:ext uri="{28A0092B-C50C-407E-A947-70E740481C1C}">
+                <a14:useLocalDpi xmlns:a14="http://schemas.microsoft.com/office/drawing/2010/main" val="0"/>
+              </a:ext>
+            </a:extLst>
+          </a:blip>
+          <a:srcRect/>
+          <a:stretch>
+            <a:fillRect/>
+          </a:stretch>
+        </p:blipFill>
+        <p:spPr bwMode="auto">
+          <a:xfrm>
+            <a:off x="752027" y="908720"/>
+            <a:ext cx="571500" cy="552450"/>
+          </a:xfrm>
+          <a:prstGeom prst="rect">
+            <a:avLst/>
+          </a:prstGeom>
+          <a:solidFill>
+            <a:srgbClr val="FF0000"/>
+          </a:solidFill>
+          <a:ln>
+            <a:noFill/>
+          </a:ln>
+          <a:effectLst>
+            <a:outerShdw blurRad="50800" dist="38100" dir="2700000" algn="tl" rotWithShape="0">
+              <a:prstClr val="black">
+                <a:alpha val="40000"/>
+              </a:prstClr>
+            </a:outerShdw>
+          </a:effectLst>
+          <a:extLst>
+            <a:ext uri="{91240B29-F687-4F45-9708-019B960494DF}">
+              <a14:hiddenLine xmlns:a14="http://schemas.microsoft.com/office/drawing/2010/main" w="9525">
+                <a:solidFill>
+                  <a:schemeClr val="tx1"/>
+                </a:solidFill>
+                <a:miter lim="800000"/>
+                <a:headEnd/>
+                <a:tailEnd/>
+              </a14:hiddenLine>
+            </a:ext>
+          </a:extLst>
+        </p:spPr>
+      </p:pic>
+      <p:sp>
+        <p:nvSpPr>
+          <p:cNvPr id="2" name="Прямоугольник 1"/>
+          <p:cNvSpPr/>
+          <p:nvPr/>
+        </p:nvSpPr>
+        <p:spPr>
+          <a:xfrm>
+            <a:off x="3131840" y="1461170"/>
+            <a:ext cx="2376264" cy="743694"/>
+          </a:xfrm>
+          <a:prstGeom prst="rect">
+            <a:avLst/>
+          </a:prstGeom>
+          <a:solidFill>
+            <a:schemeClr val="bg1"/>
+          </a:solidFill>
+          <a:ln>
+            <a:noFill/>
+          </a:ln>
+          <a:effectLst/>
+        </p:spPr>
+        <p:style>
+          <a:lnRef idx="2">
+            <a:schemeClr val="accent1">
+              <a:shade val="50000"/>
+            </a:schemeClr>
+          </a:lnRef>
+          <a:fillRef idx="1">
+            <a:schemeClr val="accent1"/>
+          </a:fillRef>
+          <a:effectRef idx="0">
+            <a:schemeClr val="accent1"/>
+          </a:effectRef>
+          <a:fontRef idx="minor">
+            <a:schemeClr val="lt1"/>
+          </a:fontRef>
+        </p:style>
+        <p:txBody>
+          <a:bodyPr rtlCol="0" anchor="ctr"/>
+          <a:lstStyle/>
+          <a:p>
+            <a:pPr algn="ctr"/>
+            <a:endParaRPr lang="ru-RU"/>
+          </a:p>
+        </p:txBody>
+      </p:sp>
+    </p:spTree>
+    <p:extLst>
+      <p:ext uri="{BB962C8B-B14F-4D97-AF65-F5344CB8AC3E}">
+        <p14:creationId xmlns:p14="http://schemas.microsoft.com/office/powerpoint/2010/main" val="2489457486"/>
+      </p:ext>
+    </p:extLst>
+  </p:cSld>
+  <p:clrMapOvr>
+    <a:masterClrMapping/>
+  </p:clrMapOvr>
+  <p:timing>
+    <p:tnLst>
+      <p:par>
+        <p:cTn id="1" dur="indefinite" restart="never" nodeType="tmRoot"/>
+      </p:par>
+    </p:tnLst>
+  </p:timing>
 </p:sld>
 </file>
 
